--- a/a1008.pptx
+++ b/a1008.pptx
@@ -22769,31 +22769,208 @@
           <a:lstStyle/>
           <a:p>
             <a:r>
-              <a:rPr lang="de-DE" sz="1600" dirty="0"/>
+              <a:rPr lang="en-US" sz="1600" dirty="0">
+                <a:effectLst>
+                  <a:glow rad="38100">
+                    <a:schemeClr val="bg1">
+                      <a:lumMod val="50000"/>
+                      <a:lumOff val="50000"/>
+                      <a:alpha val="20000"/>
+                    </a:schemeClr>
+                  </a:glow>
+                  <a:outerShdw blurRad="38100" dist="38100" dir="2700000" algn="tl">
+                    <a:srgbClr val="000000">
+                      <a:alpha val="43137"/>
+                    </a:srgbClr>
+                  </a:outerShdw>
+                </a:effectLst>
+              </a:rPr>
+              <a:t>Harold R. Kerzner</a:t>
+            </a:r>
+            <a:r>
+              <a:rPr lang="de-DE" sz="1600" dirty="0">
+                <a:effectLst>
+                  <a:glow rad="38100">
+                    <a:schemeClr val="bg1">
+                      <a:lumMod val="50000"/>
+                      <a:lumOff val="50000"/>
+                      <a:alpha val="20000"/>
+                    </a:schemeClr>
+                  </a:glow>
+                  <a:outerShdw blurRad="38100" dist="38100" dir="2700000" algn="tl">
+                    <a:srgbClr val="000000">
+                      <a:alpha val="43137"/>
+                    </a:srgbClr>
+                  </a:outerShdw>
+                </a:effectLst>
+              </a:rPr>
+              <a:t>, 2009	</a:t>
+            </a:r>
+            <a:r>
+              <a:rPr lang="en-US" sz="1600" dirty="0">
+                <a:effectLst>
+                  <a:glow rad="38100">
+                    <a:schemeClr val="bg1">
+                      <a:lumMod val="50000"/>
+                      <a:lumOff val="50000"/>
+                      <a:alpha val="20000"/>
+                    </a:schemeClr>
+                  </a:glow>
+                  <a:outerShdw blurRad="38100" dist="38100" dir="2700000" algn="tl">
+                    <a:srgbClr val="000000">
+                      <a:alpha val="43137"/>
+                    </a:srgbClr>
+                  </a:outerShdw>
+                </a:effectLst>
+              </a:rPr>
+              <a:t>A Systems Approach to Planning, Scheduling, and 											Controlling; Wiley Verlag; </a:t>
+            </a:r>
+            <a:r>
+              <a:rPr lang="de-DE" sz="1600" dirty="0">
+                <a:effectLst>
+                  <a:glow rad="38100">
+                    <a:schemeClr val="bg1">
+                      <a:lumMod val="50000"/>
+                      <a:lumOff val="50000"/>
+                      <a:alpha val="20000"/>
+                    </a:schemeClr>
+                  </a:glow>
+                  <a:outerShdw blurRad="38100" dist="38100" dir="2700000" algn="tl">
+                    <a:srgbClr val="000000">
+                      <a:alpha val="43137"/>
+                    </a:srgbClr>
+                  </a:outerShdw>
+                </a:effectLst>
+              </a:rPr>
+              <a:t>ISBN-10: 0-470-50383-1; </a:t>
+            </a:r>
+          </a:p>
+          <a:p>
+            <a:pPr marL="0" indent="0">
+              <a:buNone/>
+            </a:pPr>
+            <a:r>
+              <a:rPr lang="de-DE" sz="1600" dirty="0">
+                <a:effectLst>
+                  <a:glow rad="38100">
+                    <a:schemeClr val="bg1">
+                      <a:lumMod val="50000"/>
+                      <a:lumOff val="50000"/>
+                      <a:alpha val="20000"/>
+                    </a:schemeClr>
+                  </a:glow>
+                  <a:outerShdw blurRad="38100" dist="38100" dir="2700000" algn="tl">
+                    <a:srgbClr val="000000">
+                      <a:alpha val="43137"/>
+                    </a:srgbClr>
+                  </a:outerShdw>
+                </a:effectLst>
+              </a:rPr>
+              <a:t>						ISBN-13: 978-0-470-50383-6; Seite 494f</a:t>
+            </a:r>
+          </a:p>
+          <a:p>
+            <a:r>
+              <a:rPr lang="de-DE" sz="1600" dirty="0">
+                <a:effectLst>
+                  <a:glow rad="38100">
+                    <a:schemeClr val="bg1">
+                      <a:lumMod val="50000"/>
+                      <a:lumOff val="50000"/>
+                      <a:alpha val="20000"/>
+                    </a:schemeClr>
+                  </a:glow>
+                  <a:outerShdw blurRad="38100" dist="38100" dir="2700000" algn="tl">
+                    <a:srgbClr val="000000">
+                      <a:alpha val="43137"/>
+                    </a:srgbClr>
+                  </a:outerShdw>
+                </a:effectLst>
+              </a:rPr>
               <a:t>Romeike &amp; Hager, 2020	Erfolgsfaktor Risiko-Management 4.0, 4. Auflage, Springer Gabler</a:t>
             </a:r>
           </a:p>
           <a:p>
             <a:r>
-              <a:rPr lang="de-DE" sz="1600" dirty="0"/>
+              <a:rPr lang="de-DE" sz="1600" dirty="0">
+                <a:effectLst>
+                  <a:glow rad="38100">
+                    <a:schemeClr val="bg1">
+                      <a:lumMod val="50000"/>
+                      <a:lumOff val="50000"/>
+                      <a:alpha val="20000"/>
+                    </a:schemeClr>
+                  </a:glow>
+                  <a:outerShdw blurRad="38100" dist="38100" dir="2700000" algn="tl">
+                    <a:srgbClr val="000000">
+                      <a:alpha val="43137"/>
+                    </a:srgbClr>
+                  </a:outerShdw>
+                </a:effectLst>
+              </a:rPr>
               <a:t>Moon, 2021			Qualität im interkulturellen Trainingsbereich, Springer Gabler</a:t>
             </a:r>
           </a:p>
           <a:p>
             <a:r>
-              <a:rPr lang="de-DE" sz="1600" dirty="0"/>
+              <a:rPr lang="de-DE" sz="1600" dirty="0">
+                <a:effectLst>
+                  <a:glow rad="38100">
+                    <a:schemeClr val="bg1">
+                      <a:lumMod val="50000"/>
+                      <a:lumOff val="50000"/>
+                      <a:alpha val="20000"/>
+                    </a:schemeClr>
+                  </a:glow>
+                  <a:outerShdw blurRad="38100" dist="38100" dir="2700000" algn="tl">
+                    <a:srgbClr val="000000">
+                      <a:alpha val="43137"/>
+                    </a:srgbClr>
+                  </a:outerShdw>
+                </a:effectLst>
+              </a:rPr>
               <a:t>Schmieder, 2019			Künstliche Intelligenz als Substitut menschlicher Arbeit, Springer Gabler</a:t>
             </a:r>
           </a:p>
           <a:p>
             <a:r>
-              <a:rPr lang="de-DE" sz="1600" dirty="0"/>
+              <a:rPr lang="de-DE" sz="1600" dirty="0">
+                <a:effectLst>
+                  <a:glow rad="38100">
+                    <a:schemeClr val="bg1">
+                      <a:lumMod val="50000"/>
+                      <a:lumOff val="50000"/>
+                      <a:alpha val="20000"/>
+                    </a:schemeClr>
+                  </a:glow>
+                  <a:outerShdw blurRad="38100" dist="38100" dir="2700000" algn="tl">
+                    <a:srgbClr val="000000">
+                      <a:alpha val="43137"/>
+                    </a:srgbClr>
+                  </a:outerShdw>
+                </a:effectLst>
+              </a:rPr>
               <a:t>Mühlbacher, 2014		Die IT und die Wirtschaftskrise, Diplomica Verlag GmbH</a:t>
             </a:r>
           </a:p>
           <a:p>
             <a:r>
-              <a:rPr lang="de-DE" sz="1600" dirty="0"/>
+              <a:rPr lang="de-DE" sz="1600" dirty="0">
+                <a:effectLst>
+                  <a:glow rad="38100">
+                    <a:schemeClr val="bg1">
+                      <a:lumMod val="50000"/>
+                      <a:lumOff val="50000"/>
+                      <a:alpha val="20000"/>
+                    </a:schemeClr>
+                  </a:glow>
+                  <a:outerShdw blurRad="38100" dist="38100" dir="2700000" algn="tl">
+                    <a:srgbClr val="000000">
+                      <a:alpha val="43137"/>
+                    </a:srgbClr>
+                  </a:outerShdw>
+                </a:effectLst>
+              </a:rPr>
               <a:t>Bühring, 2021			Private Banking and Wealth Management Futures 2030, 1. Auflage, Springer</a:t>
             </a:r>
           </a:p>

--- a/a1008.pptx
+++ b/a1008.pptx
@@ -10,8 +10,8 @@
   <p:sldIdLst>
     <p:sldId id="256" r:id="rId2"/>
     <p:sldId id="257" r:id="rId3"/>
-    <p:sldId id="258" r:id="rId4"/>
-    <p:sldId id="284" r:id="rId5"/>
+    <p:sldId id="292" r:id="rId4"/>
+    <p:sldId id="293" r:id="rId5"/>
     <p:sldId id="259" r:id="rId6"/>
     <p:sldId id="285" r:id="rId7"/>
     <p:sldId id="283" r:id="rId8"/>
@@ -29,11 +29,11 @@
     <p:sldId id="279" r:id="rId20"/>
     <p:sldId id="286" r:id="rId21"/>
     <p:sldId id="287" r:id="rId22"/>
-    <p:sldId id="291" r:id="rId23"/>
-    <p:sldId id="268" r:id="rId24"/>
-    <p:sldId id="266" r:id="rId25"/>
-    <p:sldId id="267" r:id="rId26"/>
-    <p:sldId id="271" r:id="rId27"/>
+    <p:sldId id="294" r:id="rId23"/>
+    <p:sldId id="295" r:id="rId24"/>
+    <p:sldId id="268" r:id="rId25"/>
+    <p:sldId id="266" r:id="rId26"/>
+    <p:sldId id="267" r:id="rId27"/>
   </p:sldIdLst>
   <p:sldSz cx="12192000" cy="6858000"/>
   <p:notesSz cx="6858000" cy="9144000"/>
@@ -23976,10 +23976,15 @@
             <p:ph idx="1"/>
           </p:nvPr>
         </p:nvSpPr>
-        <p:spPr/>
+        <p:spPr>
+          <a:xfrm>
+            <a:off x="1141413" y="2288356"/>
+            <a:ext cx="9905998" cy="3960044"/>
+          </a:xfrm>
+        </p:spPr>
         <p:txBody>
           <a:bodyPr>
-            <a:normAutofit lnSpcReduction="10000"/>
+            <a:normAutofit/>
           </a:bodyPr>
           <a:lstStyle/>
           <a:p>
@@ -24010,30 +24015,10 @@
             </a:r>
           </a:p>
           <a:p>
+            <a:pPr lvl="1"/>
             <a:r>
               <a:rPr lang="de-DE" dirty="0"/>
-              <a:t>Allgemein empfohlen: PERT</a:t>
-            </a:r>
-          </a:p>
-          <a:p>
-            <a:pPr lvl="1"/>
-            <a:r>
-              <a:rPr lang="de-DE" dirty="0"/>
-              <a:t>kommt ohne Experten aus</a:t>
-            </a:r>
-          </a:p>
-          <a:p>
-            <a:pPr lvl="1"/>
-            <a:r>
-              <a:rPr lang="de-DE" dirty="0"/>
-              <a:t>Liefert ebenfalls Aufwand und indirekt Kosten</a:t>
-            </a:r>
-          </a:p>
-          <a:p>
-            <a:pPr lvl="1"/>
-            <a:r>
-              <a:rPr lang="de-DE" dirty="0"/>
-              <a:t>Zusätzliche Info: mögliche Engpässe vorhersehbar</a:t>
+              <a:t>Delphi wird nicht für Startups empfohlen, da Vorteile wie mögliche Durchführung online erst mit wachsender Firmengröße möglich</a:t>
             </a:r>
           </a:p>
         </p:txBody>
@@ -24041,7 +24026,7 @@
     </p:spTree>
     <p:extLst>
       <p:ext uri="{BB962C8B-B14F-4D97-AF65-F5344CB8AC3E}">
-        <p14:creationId xmlns:p14="http://schemas.microsoft.com/office/powerpoint/2010/main" val="1195087590"/>
+        <p14:creationId xmlns:p14="http://schemas.microsoft.com/office/powerpoint/2010/main" val="3283728596"/>
       </p:ext>
     </p:extLst>
   </p:cSld>
@@ -24052,6 +24037,119 @@
 </file>
 
 <file path=ppt/slides/slide23.xml><?xml version="1.0" encoding="utf-8"?>
+<p:sld xmlns:a="http://schemas.openxmlformats.org/drawingml/2006/main" xmlns:r="http://schemas.openxmlformats.org/officeDocument/2006/relationships" xmlns:p="http://schemas.openxmlformats.org/presentationml/2006/main">
+  <p:cSld>
+    <p:spTree>
+      <p:nvGrpSpPr>
+        <p:cNvPr id="1" name=""/>
+        <p:cNvGrpSpPr/>
+        <p:nvPr/>
+      </p:nvGrpSpPr>
+      <p:grpSpPr>
+        <a:xfrm>
+          <a:off x="0" y="0"/>
+          <a:ext cx="0" cy="0"/>
+          <a:chOff x="0" y="0"/>
+          <a:chExt cx="0" cy="0"/>
+        </a:xfrm>
+      </p:grpSpPr>
+      <p:sp>
+        <p:nvSpPr>
+          <p:cNvPr id="2" name="Titel 1">
+            <a:extLst>
+              <a:ext uri="{FF2B5EF4-FFF2-40B4-BE49-F238E27FC236}">
+                <a16:creationId xmlns:a16="http://schemas.microsoft.com/office/drawing/2014/main" id="{598DFDAF-6F6F-45B3-ABAC-5CD45F2A6926}"/>
+              </a:ext>
+            </a:extLst>
+          </p:cNvPr>
+          <p:cNvSpPr>
+            <a:spLocks noGrp="1"/>
+          </p:cNvSpPr>
+          <p:nvPr>
+            <p:ph type="title"/>
+          </p:nvPr>
+        </p:nvSpPr>
+        <p:spPr/>
+        <p:txBody>
+          <a:bodyPr/>
+          <a:lstStyle/>
+          <a:p>
+            <a:pPr algn="ctr"/>
+            <a:r>
+              <a:rPr lang="de-DE" dirty="0"/>
+              <a:t>Fazit &amp; Wahl der Schätzmethode</a:t>
+            </a:r>
+          </a:p>
+        </p:txBody>
+      </p:sp>
+      <p:sp>
+        <p:nvSpPr>
+          <p:cNvPr id="3" name="Inhaltsplatzhalter 2">
+            <a:extLst>
+              <a:ext uri="{FF2B5EF4-FFF2-40B4-BE49-F238E27FC236}">
+                <a16:creationId xmlns:a16="http://schemas.microsoft.com/office/drawing/2014/main" id="{8FE8C0BB-B59F-49AA-ABF7-514E2B3A0D1E}"/>
+              </a:ext>
+            </a:extLst>
+          </p:cNvPr>
+          <p:cNvSpPr>
+            <a:spLocks noGrp="1"/>
+          </p:cNvSpPr>
+          <p:nvPr>
+            <p:ph idx="1"/>
+          </p:nvPr>
+        </p:nvSpPr>
+        <p:spPr>
+          <a:xfrm>
+            <a:off x="1141413" y="2514600"/>
+            <a:ext cx="9905998" cy="3124201"/>
+          </a:xfrm>
+        </p:spPr>
+        <p:txBody>
+          <a:bodyPr/>
+          <a:lstStyle/>
+          <a:p>
+            <a:r>
+              <a:rPr lang="de-DE" dirty="0"/>
+              <a:t>Für Startup empfohlen: PERT</a:t>
+            </a:r>
+          </a:p>
+          <a:p>
+            <a:pPr lvl="1"/>
+            <a:r>
+              <a:rPr lang="de-DE" dirty="0"/>
+              <a:t>Zwar aufwändig, jedoch für Startup ohne Experten machbarer</a:t>
+            </a:r>
+          </a:p>
+          <a:p>
+            <a:pPr lvl="1"/>
+            <a:r>
+              <a:rPr lang="de-DE" dirty="0"/>
+              <a:t>Liefert ebenfalls Aufwand und indirekt Kosten</a:t>
+            </a:r>
+          </a:p>
+          <a:p>
+            <a:pPr lvl="1"/>
+            <a:r>
+              <a:rPr lang="de-DE" dirty="0"/>
+              <a:t>Zusätzlich mögliche Engpässe vorhersehbar</a:t>
+            </a:r>
+          </a:p>
+        </p:txBody>
+      </p:sp>
+    </p:spTree>
+    <p:extLst>
+      <p:ext uri="{BB962C8B-B14F-4D97-AF65-F5344CB8AC3E}">
+        <p14:creationId xmlns:p14="http://schemas.microsoft.com/office/powerpoint/2010/main" val="2394744031"/>
+      </p:ext>
+    </p:extLst>
+  </p:cSld>
+  <p:clrMapOvr>
+    <a:masterClrMapping/>
+  </p:clrMapOvr>
+</p:sld>
+</file>
+
+<file path=ppt/slides/slide24.xml><?xml version="1.0" encoding="utf-8"?>
 <p:sld xmlns:a="http://schemas.openxmlformats.org/drawingml/2006/main" xmlns:r="http://schemas.openxmlformats.org/officeDocument/2006/relationships" xmlns:p="http://schemas.openxmlformats.org/presentationml/2006/main">
   <p:cSld>
     <p:spTree>
@@ -24127,7 +24225,7 @@
 </p:sld>
 </file>
 
-<file path=ppt/slides/slide24.xml><?xml version="1.0" encoding="utf-8"?>
+<file path=ppt/slides/slide25.xml><?xml version="1.0" encoding="utf-8"?>
 <p:sld xmlns:a="http://schemas.openxmlformats.org/drawingml/2006/main" xmlns:r="http://schemas.openxmlformats.org/officeDocument/2006/relationships" xmlns:p="http://schemas.openxmlformats.org/presentationml/2006/main">
   <p:cSld>
     <p:spTree>
@@ -24624,7 +24722,7 @@
 </p:sld>
 </file>
 
-<file path=ppt/slides/slide25.xml><?xml version="1.0" encoding="utf-8"?>
+<file path=ppt/slides/slide26.xml><?xml version="1.0" encoding="utf-8"?>
 <p:sld xmlns:a="http://schemas.openxmlformats.org/drawingml/2006/main" xmlns:r="http://schemas.openxmlformats.org/officeDocument/2006/relationships" xmlns:p="http://schemas.openxmlformats.org/presentationml/2006/main">
   <p:cSld>
     <p:spTree>
@@ -24846,90 +24944,6 @@
     <p:extLst>
       <p:ext uri="{BB962C8B-B14F-4D97-AF65-F5344CB8AC3E}">
         <p14:creationId xmlns:p14="http://schemas.microsoft.com/office/powerpoint/2010/main" val="3542115095"/>
-      </p:ext>
-    </p:extLst>
-  </p:cSld>
-  <p:clrMapOvr>
-    <a:masterClrMapping/>
-  </p:clrMapOvr>
-</p:sld>
-</file>
-
-<file path=ppt/slides/slide26.xml><?xml version="1.0" encoding="utf-8"?>
-<p:sld xmlns:a="http://schemas.openxmlformats.org/drawingml/2006/main" xmlns:r="http://schemas.openxmlformats.org/officeDocument/2006/relationships" xmlns:p="http://schemas.openxmlformats.org/presentationml/2006/main">
-  <p:cSld>
-    <p:spTree>
-      <p:nvGrpSpPr>
-        <p:cNvPr id="1" name=""/>
-        <p:cNvGrpSpPr/>
-        <p:nvPr/>
-      </p:nvGrpSpPr>
-      <p:grpSpPr>
-        <a:xfrm>
-          <a:off x="0" y="0"/>
-          <a:ext cx="0" cy="0"/>
-          <a:chOff x="0" y="0"/>
-          <a:chExt cx="0" cy="0"/>
-        </a:xfrm>
-      </p:grpSpPr>
-      <p:sp>
-        <p:nvSpPr>
-          <p:cNvPr id="2" name="Titel 1">
-            <a:extLst>
-              <a:ext uri="{FF2B5EF4-FFF2-40B4-BE49-F238E27FC236}">
-                <a16:creationId xmlns:a16="http://schemas.microsoft.com/office/drawing/2014/main" id="{92F22AAE-5220-493A-9EA1-7A0FC02469E5}"/>
-              </a:ext>
-            </a:extLst>
-          </p:cNvPr>
-          <p:cNvSpPr>
-            <a:spLocks noGrp="1"/>
-          </p:cNvSpPr>
-          <p:nvPr>
-            <p:ph type="title"/>
-          </p:nvPr>
-        </p:nvSpPr>
-        <p:spPr/>
-        <p:txBody>
-          <a:bodyPr/>
-          <a:lstStyle/>
-          <a:p>
-            <a:pPr algn="ctr"/>
-            <a:r>
-              <a:rPr lang="de-DE" dirty="0"/>
-              <a:t>Anlagen</a:t>
-            </a:r>
-          </a:p>
-        </p:txBody>
-      </p:sp>
-      <p:sp>
-        <p:nvSpPr>
-          <p:cNvPr id="3" name="Inhaltsplatzhalter 2">
-            <a:extLst>
-              <a:ext uri="{FF2B5EF4-FFF2-40B4-BE49-F238E27FC236}">
-                <a16:creationId xmlns:a16="http://schemas.microsoft.com/office/drawing/2014/main" id="{F08304F4-8B2A-4551-865A-54E7980D8423}"/>
-              </a:ext>
-            </a:extLst>
-          </p:cNvPr>
-          <p:cNvSpPr>
-            <a:spLocks noGrp="1"/>
-          </p:cNvSpPr>
-          <p:nvPr>
-            <p:ph idx="1"/>
-          </p:nvPr>
-        </p:nvSpPr>
-        <p:spPr/>
-        <p:txBody>
-          <a:bodyPr/>
-          <a:lstStyle/>
-          <a:p>
-            <a:endParaRPr lang="de-DE"/>
-          </a:p>
-        </p:txBody>
-      </p:sp>
-    </p:spTree>
-    <p:extLst>
-      <p:ext uri="{BB962C8B-B14F-4D97-AF65-F5344CB8AC3E}">
-        <p14:creationId xmlns:p14="http://schemas.microsoft.com/office/powerpoint/2010/main" val="4190543238"/>
       </p:ext>
     </p:extLst>
   </p:cSld>
@@ -25001,14 +25015,19 @@
             <p:ph idx="1"/>
           </p:nvPr>
         </p:nvSpPr>
-        <p:spPr/>
+        <p:spPr>
+          <a:xfrm>
+            <a:off x="1141413" y="2514600"/>
+            <a:ext cx="9905998" cy="3124201"/>
+          </a:xfrm>
+        </p:spPr>
         <p:txBody>
           <a:bodyPr/>
           <a:lstStyle/>
           <a:p>
             <a:r>
               <a:rPr lang="de-DE" dirty="0"/>
-              <a:t>Innovatives Startup wird zu prozessorientiertem Mittelstandsunternehmen transformiert</a:t>
+              <a:t>Entwicklungsingenieur Innovatives Startup wird zu prozessorientiertem Mittelstandsunternehmen transformiert</a:t>
             </a:r>
           </a:p>
           <a:p>
@@ -25028,7 +25047,7 @@
     </p:spTree>
     <p:extLst>
       <p:ext uri="{BB962C8B-B14F-4D97-AF65-F5344CB8AC3E}">
-        <p14:creationId xmlns:p14="http://schemas.microsoft.com/office/powerpoint/2010/main" val="3122353083"/>
+        <p14:creationId xmlns:p14="http://schemas.microsoft.com/office/powerpoint/2010/main" val="4086324676"/>
       </p:ext>
     </p:extLst>
   </p:cSld>
@@ -25107,13 +25126,22 @@
           <a:p>
             <a:r>
               <a:rPr lang="de-DE" dirty="0"/>
-              <a:t>Projektmanagement im Bereich der Planung</a:t>
+              <a:t>Projektmanagement -&gt; Bereich der Planung -&gt; Bereich der Terminplanung</a:t>
             </a:r>
           </a:p>
           <a:p>
             <a:r>
               <a:rPr lang="de-DE" dirty="0"/>
-              <a:t>Im Bereich Planung unter Terminplanung</a:t>
+              <a:t>Aufwandsschätzung: Vorgänge identifizieren, anordnen, schätzen</a:t>
+            </a:r>
+          </a:p>
+          <a:p>
+            <a:pPr marL="457200" lvl="1" indent="0">
+              <a:buNone/>
+            </a:pPr>
+            <a:r>
+              <a:rPr lang="de-DE" sz="2000" dirty="0"/>
+              <a:t>-&gt; Aufgabe des Schätzens</a:t>
             </a:r>
           </a:p>
           <a:p>
@@ -25197,7 +25225,7 @@
     </p:spTree>
     <p:extLst>
       <p:ext uri="{BB962C8B-B14F-4D97-AF65-F5344CB8AC3E}">
-        <p14:creationId xmlns:p14="http://schemas.microsoft.com/office/powerpoint/2010/main" val="2722508148"/>
+        <p14:creationId xmlns:p14="http://schemas.microsoft.com/office/powerpoint/2010/main" val="900242749"/>
       </p:ext>
     </p:extLst>
   </p:cSld>
